--- a/Week_3/(실습3)+부정정보+구조해석+실습과제+및+숙제.pptx
+++ b/Week_3/(실습3)+부정정보+구조해석+실습과제+및+숙제.pptx
@@ -116,6 +116,118 @@
     </p:ext>
   </p:extLst>
 </p:presentation>
+</file>
+
+<file path=ppt/ink/ink1.xml><?xml version="1.0" encoding="utf-8"?>
+<inkml:ink xmlns:inkml="http://www.w3.org/2003/InkML">
+  <inkml:definitions>
+    <inkml:context xml:id="ctx0">
+      <inkml:inkSource xml:id="inkSrc0">
+        <inkml:traceFormat>
+          <inkml:channel name="X" type="integer" min="-2.14748E9" max="2.14748E9" units="cm"/>
+          <inkml:channel name="Y" type="integer" min="-2.14748E9" max="2.14748E9" units="cm"/>
+          <inkml:channel name="F" type="integer" max="32767" units="dev"/>
+        </inkml:traceFormat>
+        <inkml:channelProperties>
+          <inkml:channelProperty channel="X" name="resolution" value="1000" units="1/cm"/>
+          <inkml:channelProperty channel="Y" name="resolution" value="1000" units="1/cm"/>
+          <inkml:channelProperty channel="F" name="resolution" value="0" units="1/dev"/>
+        </inkml:channelProperties>
+      </inkml:inkSource>
+      <inkml:timestamp xml:id="ts0" timeString="2025-10-01T02:37:14.768"/>
+    </inkml:context>
+    <inkml:brush xml:id="br0">
+      <inkml:brushProperty name="width" value="0.035" units="cm"/>
+      <inkml:brushProperty name="height" value="0.035" units="cm"/>
+      <inkml:brushProperty name="color" value="#E71224"/>
+    </inkml:brush>
+  </inkml:definitions>
+  <inkml:trace contextRef="#ctx0" brushRef="#br0">1948 0 23945,'-1948'5821'0</inkml:trace>
+</inkml:ink>
+</file>
+
+<file path=ppt/ink/ink2.xml><?xml version="1.0" encoding="utf-8"?>
+<inkml:ink xmlns:inkml="http://www.w3.org/2003/InkML">
+  <inkml:definitions>
+    <inkml:context xml:id="ctx0">
+      <inkml:inkSource xml:id="inkSrc0">
+        <inkml:traceFormat>
+          <inkml:channel name="X" type="integer" min="-2.14748E9" max="2.14748E9" units="cm"/>
+          <inkml:channel name="Y" type="integer" min="-2.14748E9" max="2.14748E9" units="cm"/>
+          <inkml:channel name="F" type="integer" max="32767" units="dev"/>
+        </inkml:traceFormat>
+        <inkml:channelProperties>
+          <inkml:channelProperty channel="X" name="resolution" value="1000" units="1/cm"/>
+          <inkml:channelProperty channel="Y" name="resolution" value="1000" units="1/cm"/>
+          <inkml:channelProperty channel="F" name="resolution" value="0" units="1/dev"/>
+        </inkml:channelProperties>
+      </inkml:inkSource>
+      <inkml:timestamp xml:id="ts0" timeString="2025-10-01T02:37:30.940"/>
+    </inkml:context>
+    <inkml:brush xml:id="br0">
+      <inkml:brushProperty name="width" value="0.035" units="cm"/>
+      <inkml:brushProperty name="height" value="0.035" units="cm"/>
+      <inkml:brushProperty name="color" value="#E71224"/>
+    </inkml:brush>
+  </inkml:definitions>
+  <inkml:trace contextRef="#ctx0" brushRef="#br0">0 0 22990,'2861'4761'0</inkml:trace>
+</inkml:ink>
+</file>
+
+<file path=ppt/ink/ink3.xml><?xml version="1.0" encoding="utf-8"?>
+<inkml:ink xmlns:inkml="http://www.w3.org/2003/InkML">
+  <inkml:definitions>
+    <inkml:context xml:id="ctx0">
+      <inkml:inkSource xml:id="inkSrc0">
+        <inkml:traceFormat>
+          <inkml:channel name="X" type="integer" min="-2.14748E9" max="2.14748E9" units="cm"/>
+          <inkml:channel name="Y" type="integer" min="-2.14748E9" max="2.14748E9" units="cm"/>
+          <inkml:channel name="F" type="integer" max="32767" units="dev"/>
+        </inkml:traceFormat>
+        <inkml:channelProperties>
+          <inkml:channelProperty channel="X" name="resolution" value="1000" units="1/cm"/>
+          <inkml:channelProperty channel="Y" name="resolution" value="1000" units="1/cm"/>
+          <inkml:channelProperty channel="F" name="resolution" value="0" units="1/dev"/>
+        </inkml:channelProperties>
+      </inkml:inkSource>
+      <inkml:timestamp xml:id="ts0" timeString="2025-10-01T02:43:17.003"/>
+    </inkml:context>
+    <inkml:brush xml:id="br0">
+      <inkml:brushProperty name="width" value="0.035" units="cm"/>
+      <inkml:brushProperty name="height" value="0.035" units="cm"/>
+      <inkml:brushProperty name="color" value="#E71224"/>
+    </inkml:brush>
+  </inkml:definitions>
+  <inkml:trace contextRef="#ctx0" brushRef="#br0">0 0 24293,'2466'5647'0</inkml:trace>
+</inkml:ink>
+</file>
+
+<file path=ppt/ink/ink4.xml><?xml version="1.0" encoding="utf-8"?>
+<inkml:ink xmlns:inkml="http://www.w3.org/2003/InkML">
+  <inkml:definitions>
+    <inkml:context xml:id="ctx0">
+      <inkml:inkSource xml:id="inkSrc0">
+        <inkml:traceFormat>
+          <inkml:channel name="X" type="integer" min="-2.14748E9" max="2.14748E9" units="cm"/>
+          <inkml:channel name="Y" type="integer" min="-2.14748E9" max="2.14748E9" units="cm"/>
+          <inkml:channel name="F" type="integer" max="32767" units="dev"/>
+        </inkml:traceFormat>
+        <inkml:channelProperties>
+          <inkml:channelProperty channel="X" name="resolution" value="1000" units="1/cm"/>
+          <inkml:channelProperty channel="Y" name="resolution" value="1000" units="1/cm"/>
+          <inkml:channelProperty channel="F" name="resolution" value="0" units="1/dev"/>
+        </inkml:channelProperties>
+      </inkml:inkSource>
+      <inkml:timestamp xml:id="ts0" timeString="2025-10-01T02:43:22.663"/>
+    </inkml:context>
+    <inkml:brush xml:id="br0">
+      <inkml:brushProperty name="width" value="0.035" units="cm"/>
+      <inkml:brushProperty name="height" value="0.035" units="cm"/>
+      <inkml:brushProperty name="color" value="#E71224"/>
+    </inkml:brush>
+  </inkml:definitions>
+  <inkml:trace contextRef="#ctx0" brushRef="#br0">0 0 23572,'3403'5771'0</inkml:trace>
+</inkml:ink>
 </file>
 
 <file path=ppt/slideLayouts/slideLayout1.xml><?xml version="1.0" encoding="utf-8"?>
@@ -3081,7 +3193,7 @@
         <p:spPr>
           <a:xfrm>
             <a:off x="9609992" y="5556738"/>
-            <a:ext cx="2034531" cy="646331"/>
+            <a:ext cx="1874231" cy="646331"/>
           </a:xfrm>
           <a:prstGeom prst="rect">
             <a:avLst/>
@@ -3100,7 +3212,7 @@
             </a:r>
             <a:r>
               <a:rPr lang="en-US" altLang="ko-KR" dirty="0"/>
-              <a:t>: ************</a:t>
+              <a:t>: 17415009</a:t>
             </a:r>
           </a:p>
           <a:p>
@@ -3110,7 +3222,11 @@
             </a:r>
             <a:r>
               <a:rPr lang="en-US" altLang="ko-KR" dirty="0"/>
-              <a:t>: ***</a:t>
+              <a:t>: </a:t>
+            </a:r>
+            <a:r>
+              <a:rPr lang="ko-KR" altLang="en-US" dirty="0" err="1"/>
+              <a:t>서보근</a:t>
             </a:r>
             <a:endParaRPr lang="ko-KR" altLang="en-US" dirty="0"/>
           </a:p>
@@ -3327,7 +3443,7 @@
           <p:nvPr>
             <p:extLst>
               <p:ext uri="{D42A27DB-BD31-4B8C-83A1-F6EECF244321}">
-                <p14:modId xmlns:p14="http://schemas.microsoft.com/office/powerpoint/2010/main" val="880376310"/>
+                <p14:modId xmlns:p14="http://schemas.microsoft.com/office/powerpoint/2010/main" val="2514459200"/>
               </p:ext>
             </p:extLst>
           </p:nvPr>
@@ -3771,6 +3887,10 @@
                     <a:lstStyle/>
                     <a:p>
                       <a:pPr algn="ctr" latinLnBrk="1"/>
+                      <a:r>
+                        <a:rPr lang="en-US" altLang="ko-KR" dirty="0"/>
+                        <a:t>3.068e-7</a:t>
+                      </a:r>
                       <a:endParaRPr lang="ko-KR" altLang="en-US" dirty="0"/>
                     </a:p>
                   </a:txBody>
@@ -3782,6 +3902,10 @@
                     <a:lstStyle/>
                     <a:p>
                       <a:pPr algn="ctr" latinLnBrk="1"/>
+                      <a:r>
+                        <a:rPr lang="en-US" altLang="ko-KR" dirty="0"/>
+                        <a:t>600</a:t>
+                      </a:r>
                       <a:endParaRPr lang="ko-KR" altLang="en-US" dirty="0"/>
                     </a:p>
                   </a:txBody>
@@ -3793,6 +3917,10 @@
                     <a:lstStyle/>
                     <a:p>
                       <a:pPr algn="ctr" latinLnBrk="1"/>
+                      <a:r>
+                        <a:rPr lang="en-US" altLang="ko-KR" dirty="0"/>
+                        <a:t>1</a:t>
+                      </a:r>
                       <a:endParaRPr lang="ko-KR" altLang="en-US" dirty="0"/>
                     </a:p>
                   </a:txBody>
@@ -3804,6 +3932,10 @@
                     <a:lstStyle/>
                     <a:p>
                       <a:pPr algn="ctr" latinLnBrk="1"/>
+                      <a:r>
+                        <a:rPr lang="en-US" altLang="ko-KR" dirty="0"/>
+                        <a:t>210e9</a:t>
+                      </a:r>
                       <a:endParaRPr lang="ko-KR" altLang="en-US" dirty="0"/>
                     </a:p>
                   </a:txBody>
@@ -3815,6 +3947,10 @@
                     <a:lstStyle/>
                     <a:p>
                       <a:pPr latinLnBrk="1"/>
+                      <a:r>
+                        <a:rPr lang="en-US" altLang="ko-KR" dirty="0"/>
+                        <a:t>4.8504e-2</a:t>
+                      </a:r>
                       <a:endParaRPr lang="ko-KR" altLang="en-US" dirty="0"/>
                     </a:p>
                   </a:txBody>
@@ -3826,6 +3962,10 @@
                     <a:lstStyle/>
                     <a:p>
                       <a:pPr latinLnBrk="1"/>
+                      <a:r>
+                        <a:rPr lang="en-US" altLang="ko-KR" dirty="0"/>
+                        <a:t>4.9722e-2</a:t>
+                      </a:r>
                       <a:endParaRPr lang="ko-KR" altLang="en-US" dirty="0"/>
                     </a:p>
                   </a:txBody>
@@ -3837,6 +3977,10 @@
                     <a:lstStyle/>
                     <a:p>
                       <a:pPr latinLnBrk="1"/>
+                      <a:r>
+                        <a:rPr lang="en-US" altLang="ko-KR" dirty="0"/>
+                        <a:t>2.544</a:t>
+                      </a:r>
                       <a:endParaRPr lang="ko-KR" altLang="en-US" dirty="0"/>
                     </a:p>
                   </a:txBody>
@@ -5190,6 +5334,700 @@
           </a:p>
         </p:txBody>
       </p:sp>
+      <p:grpSp>
+        <p:nvGrpSpPr>
+          <p:cNvPr id="11" name="그룹 10">
+            <a:extLst>
+              <a:ext uri="{FF2B5EF4-FFF2-40B4-BE49-F238E27FC236}">
+                <a16:creationId xmlns:a16="http://schemas.microsoft.com/office/drawing/2014/main" id="{C34841AB-4EC2-87F6-4F0B-CB41230936BA}"/>
+              </a:ext>
+            </a:extLst>
+          </p:cNvPr>
+          <p:cNvGrpSpPr/>
+          <p:nvPr/>
+        </p:nvGrpSpPr>
+        <p:grpSpPr>
+          <a:xfrm>
+            <a:off x="6463160" y="1576767"/>
+            <a:ext cx="5266662" cy="2281508"/>
+            <a:chOff x="6463160" y="1576767"/>
+            <a:chExt cx="5266662" cy="2281508"/>
+          </a:xfrm>
+        </p:grpSpPr>
+        <p:pic>
+          <p:nvPicPr>
+            <p:cNvPr id="3" name="그림 2">
+              <a:extLst>
+                <a:ext uri="{FF2B5EF4-FFF2-40B4-BE49-F238E27FC236}">
+                  <a16:creationId xmlns:a16="http://schemas.microsoft.com/office/drawing/2014/main" id="{EF5B4EC3-3E36-EEA9-E83C-26CEEE744123}"/>
+                </a:ext>
+              </a:extLst>
+            </p:cNvPr>
+            <p:cNvPicPr>
+              <a:picLocks noChangeAspect="1"/>
+            </p:cNvPicPr>
+            <p:nvPr/>
+          </p:nvPicPr>
+          <p:blipFill>
+            <a:blip r:embed="rId2"/>
+            <a:stretch>
+              <a:fillRect/>
+            </a:stretch>
+          </p:blipFill>
+          <p:spPr>
+            <a:xfrm>
+              <a:off x="6463160" y="1576767"/>
+              <a:ext cx="5266662" cy="1139800"/>
+            </a:xfrm>
+            <a:prstGeom prst="rect">
+              <a:avLst/>
+            </a:prstGeom>
+          </p:spPr>
+        </p:pic>
+        <p:pic>
+          <p:nvPicPr>
+            <p:cNvPr id="10" name="그림 9">
+              <a:extLst>
+                <a:ext uri="{FF2B5EF4-FFF2-40B4-BE49-F238E27FC236}">
+                  <a16:creationId xmlns:a16="http://schemas.microsoft.com/office/drawing/2014/main" id="{A1610DF6-674A-B0AD-42F4-D33ED09ED30A}"/>
+                </a:ext>
+              </a:extLst>
+            </p:cNvPr>
+            <p:cNvPicPr>
+              <a:picLocks noChangeAspect="1"/>
+            </p:cNvPicPr>
+            <p:nvPr/>
+          </p:nvPicPr>
+          <p:blipFill>
+            <a:blip r:embed="rId3"/>
+            <a:stretch>
+              <a:fillRect/>
+            </a:stretch>
+          </p:blipFill>
+          <p:spPr>
+            <a:xfrm>
+              <a:off x="10800131" y="2722402"/>
+              <a:ext cx="732263" cy="1135873"/>
+            </a:xfrm>
+            <a:prstGeom prst="rect">
+              <a:avLst/>
+            </a:prstGeom>
+          </p:spPr>
+        </p:pic>
+      </p:grpSp>
+      <p:grpSp>
+        <p:nvGrpSpPr>
+          <p:cNvPr id="16" name="그룹 15">
+            <a:extLst>
+              <a:ext uri="{FF2B5EF4-FFF2-40B4-BE49-F238E27FC236}">
+                <a16:creationId xmlns:a16="http://schemas.microsoft.com/office/drawing/2014/main" id="{BE3409C8-941D-6290-3F17-6398881F65C8}"/>
+              </a:ext>
+            </a:extLst>
+          </p:cNvPr>
+          <p:cNvGrpSpPr/>
+          <p:nvPr/>
+        </p:nvGrpSpPr>
+        <p:grpSpPr>
+          <a:xfrm>
+            <a:off x="715887" y="1576767"/>
+            <a:ext cx="4858457" cy="2000940"/>
+            <a:chOff x="715887" y="1576767"/>
+            <a:chExt cx="4858457" cy="2000940"/>
+          </a:xfrm>
+        </p:grpSpPr>
+        <p:pic>
+          <p:nvPicPr>
+            <p:cNvPr id="13" name="그림 12">
+              <a:extLst>
+                <a:ext uri="{FF2B5EF4-FFF2-40B4-BE49-F238E27FC236}">
+                  <a16:creationId xmlns:a16="http://schemas.microsoft.com/office/drawing/2014/main" id="{36B4A0E2-B9A5-26E1-2F57-0E0858200CB7}"/>
+                </a:ext>
+              </a:extLst>
+            </p:cNvPr>
+            <p:cNvPicPr>
+              <a:picLocks noChangeAspect="1"/>
+            </p:cNvPicPr>
+            <p:nvPr/>
+          </p:nvPicPr>
+          <p:blipFill>
+            <a:blip r:embed="rId4"/>
+            <a:stretch>
+              <a:fillRect/>
+            </a:stretch>
+          </p:blipFill>
+          <p:spPr>
+            <a:xfrm>
+              <a:off x="715887" y="1576767"/>
+              <a:ext cx="4858457" cy="611608"/>
+            </a:xfrm>
+            <a:prstGeom prst="rect">
+              <a:avLst/>
+            </a:prstGeom>
+          </p:spPr>
+        </p:pic>
+        <p:pic>
+          <p:nvPicPr>
+            <p:cNvPr id="15" name="그림 14">
+              <a:extLst>
+                <a:ext uri="{FF2B5EF4-FFF2-40B4-BE49-F238E27FC236}">
+                  <a16:creationId xmlns:a16="http://schemas.microsoft.com/office/drawing/2014/main" id="{2A72D627-A1BC-3EB0-707D-ADCB0C463F5D}"/>
+                </a:ext>
+              </a:extLst>
+            </p:cNvPr>
+            <p:cNvPicPr>
+              <a:picLocks noChangeAspect="1"/>
+            </p:cNvPicPr>
+            <p:nvPr/>
+          </p:nvPicPr>
+          <p:blipFill>
+            <a:blip r:embed="rId5"/>
+            <a:stretch>
+              <a:fillRect/>
+            </a:stretch>
+          </p:blipFill>
+          <p:spPr>
+            <a:xfrm>
+              <a:off x="4800191" y="2266126"/>
+              <a:ext cx="774153" cy="1311581"/>
+            </a:xfrm>
+            <a:prstGeom prst="rect">
+              <a:avLst/>
+            </a:prstGeom>
+          </p:spPr>
+        </p:pic>
+      </p:grpSp>
+      <p:pic>
+        <p:nvPicPr>
+          <p:cNvPr id="18" name="그림 17">
+            <a:extLst>
+              <a:ext uri="{FF2B5EF4-FFF2-40B4-BE49-F238E27FC236}">
+                <a16:creationId xmlns:a16="http://schemas.microsoft.com/office/drawing/2014/main" id="{2484AC9B-CC82-F240-349F-9BFE78517CDF}"/>
+              </a:ext>
+            </a:extLst>
+          </p:cNvPr>
+          <p:cNvPicPr>
+            <a:picLocks noChangeAspect="1"/>
+          </p:cNvPicPr>
+          <p:nvPr/>
+        </p:nvPicPr>
+        <p:blipFill>
+          <a:blip r:embed="rId6"/>
+          <a:stretch>
+            <a:fillRect/>
+          </a:stretch>
+        </p:blipFill>
+        <p:spPr>
+          <a:xfrm>
+            <a:off x="3642265" y="4155601"/>
+            <a:ext cx="2085101" cy="1544519"/>
+          </a:xfrm>
+          <a:prstGeom prst="rect">
+            <a:avLst/>
+          </a:prstGeom>
+        </p:spPr>
+      </p:pic>
+      <p:pic>
+        <p:nvPicPr>
+          <p:cNvPr id="20" name="그림 19">
+            <a:extLst>
+              <a:ext uri="{FF2B5EF4-FFF2-40B4-BE49-F238E27FC236}">
+                <a16:creationId xmlns:a16="http://schemas.microsoft.com/office/drawing/2014/main" id="{16B66564-F76D-3E89-AED1-A10B4AD17C2E}"/>
+              </a:ext>
+            </a:extLst>
+          </p:cNvPr>
+          <p:cNvPicPr>
+            <a:picLocks noChangeAspect="1"/>
+          </p:cNvPicPr>
+          <p:nvPr/>
+        </p:nvPicPr>
+        <p:blipFill>
+          <a:blip r:embed="rId7"/>
+          <a:stretch>
+            <a:fillRect/>
+          </a:stretch>
+        </p:blipFill>
+        <p:spPr>
+          <a:xfrm>
+            <a:off x="528892" y="4456589"/>
+            <a:ext cx="2394900" cy="1087255"/>
+          </a:xfrm>
+          <a:prstGeom prst="rect">
+            <a:avLst/>
+          </a:prstGeom>
+        </p:spPr>
+      </p:pic>
+      <p:sp>
+        <p:nvSpPr>
+          <p:cNvPr id="21" name="직사각형 20">
+            <a:extLst>
+              <a:ext uri="{FF2B5EF4-FFF2-40B4-BE49-F238E27FC236}">
+                <a16:creationId xmlns:a16="http://schemas.microsoft.com/office/drawing/2014/main" id="{A96E4254-3A53-4513-D78B-55C3086BD98B}"/>
+              </a:ext>
+            </a:extLst>
+          </p:cNvPr>
+          <p:cNvSpPr/>
+          <p:nvPr/>
+        </p:nvSpPr>
+        <p:spPr>
+          <a:xfrm>
+            <a:off x="1526958" y="1696587"/>
+            <a:ext cx="630315" cy="611607"/>
+          </a:xfrm>
+          <a:prstGeom prst="rect">
+            <a:avLst/>
+          </a:prstGeom>
+          <a:noFill/>
+          <a:ln w="38100">
+            <a:solidFill>
+              <a:srgbClr val="FF0000"/>
+            </a:solidFill>
+          </a:ln>
+        </p:spPr>
+        <p:style>
+          <a:lnRef idx="2">
+            <a:schemeClr val="accent1">
+              <a:shade val="15000"/>
+            </a:schemeClr>
+          </a:lnRef>
+          <a:fillRef idx="1">
+            <a:schemeClr val="accent1"/>
+          </a:fillRef>
+          <a:effectRef idx="0">
+            <a:schemeClr val="accent1"/>
+          </a:effectRef>
+          <a:fontRef idx="minor">
+            <a:schemeClr val="lt1"/>
+          </a:fontRef>
+        </p:style>
+        <p:txBody>
+          <a:bodyPr rtlCol="0" anchor="ctr"/>
+          <a:lstStyle/>
+          <a:p>
+            <a:pPr algn="ctr"/>
+            <a:endParaRPr lang="ko-KR" altLang="en-US"/>
+          </a:p>
+        </p:txBody>
+      </p:sp>
+      <mc:AlternateContent xmlns:mc="http://schemas.openxmlformats.org/markup-compatibility/2006">
+        <mc:Choice xmlns:p14="http://schemas.microsoft.com/office/powerpoint/2010/main" Requires="p14">
+          <p:contentPart p14:bwMode="auto" r:id="rId8">
+            <p14:nvContentPartPr>
+              <p14:cNvPr id="26" name="잉크 25">
+                <a:extLst>
+                  <a:ext uri="{FF2B5EF4-FFF2-40B4-BE49-F238E27FC236}">
+                    <a16:creationId xmlns:a16="http://schemas.microsoft.com/office/drawing/2014/main" id="{1763BF21-F1C5-32E0-9796-9969EB573C7E}"/>
+                  </a:ext>
+                </a:extLst>
+              </p14:cNvPr>
+              <p14:cNvContentPartPr/>
+              <p14:nvPr/>
+            </p14:nvContentPartPr>
+            <p14:xfrm>
+              <a:off x="1189496" y="2316520"/>
+              <a:ext cx="701640" cy="2095920"/>
+            </p14:xfrm>
+          </p:contentPart>
+        </mc:Choice>
+        <mc:Fallback>
+          <p:pic>
+            <p:nvPicPr>
+              <p:cNvPr id="26" name="잉크 25">
+                <a:extLst>
+                  <a:ext uri="{FF2B5EF4-FFF2-40B4-BE49-F238E27FC236}">
+                    <a16:creationId xmlns:a16="http://schemas.microsoft.com/office/drawing/2014/main" id="{1763BF21-F1C5-32E0-9796-9969EB573C7E}"/>
+                  </a:ext>
+                </a:extLst>
+              </p:cNvPr>
+              <p:cNvPicPr/>
+              <p:nvPr/>
+            </p:nvPicPr>
+            <p:blipFill>
+              <a:blip r:embed="rId9"/>
+              <a:stretch>
+                <a:fillRect/>
+              </a:stretch>
+            </p:blipFill>
+            <p:spPr>
+              <a:xfrm>
+                <a:off x="1183376" y="2310400"/>
+                <a:ext cx="713880" cy="2108160"/>
+              </a:xfrm>
+              <a:prstGeom prst="rect">
+                <a:avLst/>
+              </a:prstGeom>
+            </p:spPr>
+          </p:pic>
+        </mc:Fallback>
+      </mc:AlternateContent>
+      <p:sp>
+        <p:nvSpPr>
+          <p:cNvPr id="27" name="직사각형 26">
+            <a:extLst>
+              <a:ext uri="{FF2B5EF4-FFF2-40B4-BE49-F238E27FC236}">
+                <a16:creationId xmlns:a16="http://schemas.microsoft.com/office/drawing/2014/main" id="{626F34CD-01E3-88FD-E590-FFF9B72E5EB9}"/>
+              </a:ext>
+            </a:extLst>
+          </p:cNvPr>
+          <p:cNvSpPr/>
+          <p:nvPr/>
+        </p:nvSpPr>
+        <p:spPr>
+          <a:xfrm>
+            <a:off x="2715348" y="1656839"/>
+            <a:ext cx="630315" cy="611607"/>
+          </a:xfrm>
+          <a:prstGeom prst="rect">
+            <a:avLst/>
+          </a:prstGeom>
+          <a:noFill/>
+          <a:ln w="38100">
+            <a:solidFill>
+              <a:srgbClr val="FF0000"/>
+            </a:solidFill>
+          </a:ln>
+        </p:spPr>
+        <p:style>
+          <a:lnRef idx="2">
+            <a:schemeClr val="accent1">
+              <a:shade val="15000"/>
+            </a:schemeClr>
+          </a:lnRef>
+          <a:fillRef idx="1">
+            <a:schemeClr val="accent1"/>
+          </a:fillRef>
+          <a:effectRef idx="0">
+            <a:schemeClr val="accent1"/>
+          </a:effectRef>
+          <a:fontRef idx="minor">
+            <a:schemeClr val="lt1"/>
+          </a:fontRef>
+        </p:style>
+        <p:txBody>
+          <a:bodyPr rtlCol="0" anchor="ctr"/>
+          <a:lstStyle/>
+          <a:p>
+            <a:pPr algn="ctr"/>
+            <a:endParaRPr lang="ko-KR" altLang="en-US"/>
+          </a:p>
+        </p:txBody>
+      </p:sp>
+      <mc:AlternateContent xmlns:mc="http://schemas.openxmlformats.org/markup-compatibility/2006">
+        <mc:Choice xmlns:p14="http://schemas.microsoft.com/office/powerpoint/2010/main" Requires="p14">
+          <p:contentPart p14:bwMode="auto" r:id="rId10">
+            <p14:nvContentPartPr>
+              <p14:cNvPr id="29" name="잉크 28">
+                <a:extLst>
+                  <a:ext uri="{FF2B5EF4-FFF2-40B4-BE49-F238E27FC236}">
+                    <a16:creationId xmlns:a16="http://schemas.microsoft.com/office/drawing/2014/main" id="{B7CE64C1-6887-58AA-852B-BCDB61C6FB90}"/>
+                  </a:ext>
+                </a:extLst>
+              </p14:cNvPr>
+              <p14:cNvContentPartPr/>
+              <p14:nvPr/>
+            </p14:nvContentPartPr>
+            <p14:xfrm>
+              <a:off x="3106856" y="2272240"/>
+              <a:ext cx="1030320" cy="1714320"/>
+            </p14:xfrm>
+          </p:contentPart>
+        </mc:Choice>
+        <mc:Fallback>
+          <p:pic>
+            <p:nvPicPr>
+              <p:cNvPr id="29" name="잉크 28">
+                <a:extLst>
+                  <a:ext uri="{FF2B5EF4-FFF2-40B4-BE49-F238E27FC236}">
+                    <a16:creationId xmlns:a16="http://schemas.microsoft.com/office/drawing/2014/main" id="{B7CE64C1-6887-58AA-852B-BCDB61C6FB90}"/>
+                  </a:ext>
+                </a:extLst>
+              </p:cNvPr>
+              <p:cNvPicPr/>
+              <p:nvPr/>
+            </p:nvPicPr>
+            <p:blipFill>
+              <a:blip r:embed="rId11"/>
+              <a:stretch>
+                <a:fillRect/>
+              </a:stretch>
+            </p:blipFill>
+            <p:spPr>
+              <a:xfrm>
+                <a:off x="3100736" y="2266120"/>
+                <a:ext cx="1042560" cy="1726560"/>
+              </a:xfrm>
+              <a:prstGeom prst="rect">
+                <a:avLst/>
+              </a:prstGeom>
+            </p:spPr>
+          </p:pic>
+        </mc:Fallback>
+      </mc:AlternateContent>
+      <p:pic>
+        <p:nvPicPr>
+          <p:cNvPr id="35" name="그림 34">
+            <a:extLst>
+              <a:ext uri="{FF2B5EF4-FFF2-40B4-BE49-F238E27FC236}">
+                <a16:creationId xmlns:a16="http://schemas.microsoft.com/office/drawing/2014/main" id="{7F5BBDC5-11DB-4D6F-8F90-459AEED4CB27}"/>
+              </a:ext>
+            </a:extLst>
+          </p:cNvPr>
+          <p:cNvPicPr>
+            <a:picLocks noChangeAspect="1"/>
+          </p:cNvPicPr>
+          <p:nvPr/>
+        </p:nvPicPr>
+        <p:blipFill>
+          <a:blip r:embed="rId12"/>
+          <a:stretch>
+            <a:fillRect/>
+          </a:stretch>
+        </p:blipFill>
+        <p:spPr>
+          <a:xfrm>
+            <a:off x="9466362" y="4588517"/>
+            <a:ext cx="2196746" cy="1139800"/>
+          </a:xfrm>
+          <a:prstGeom prst="rect">
+            <a:avLst/>
+          </a:prstGeom>
+        </p:spPr>
+      </p:pic>
+      <p:pic>
+        <p:nvPicPr>
+          <p:cNvPr id="37" name="그림 36">
+            <a:extLst>
+              <a:ext uri="{FF2B5EF4-FFF2-40B4-BE49-F238E27FC236}">
+                <a16:creationId xmlns:a16="http://schemas.microsoft.com/office/drawing/2014/main" id="{983A979C-58C9-774B-EAB4-CC14FD5E2C41}"/>
+              </a:ext>
+            </a:extLst>
+          </p:cNvPr>
+          <p:cNvPicPr>
+            <a:picLocks noChangeAspect="1"/>
+          </p:cNvPicPr>
+          <p:nvPr/>
+        </p:nvPicPr>
+        <p:blipFill>
+          <a:blip r:embed="rId13"/>
+          <a:stretch>
+            <a:fillRect/>
+          </a:stretch>
+        </p:blipFill>
+        <p:spPr>
+          <a:xfrm>
+            <a:off x="6463160" y="4412440"/>
+            <a:ext cx="2603543" cy="1139800"/>
+          </a:xfrm>
+          <a:prstGeom prst="rect">
+            <a:avLst/>
+          </a:prstGeom>
+        </p:spPr>
+      </p:pic>
+      <p:sp>
+        <p:nvSpPr>
+          <p:cNvPr id="38" name="직사각형 37">
+            <a:extLst>
+              <a:ext uri="{FF2B5EF4-FFF2-40B4-BE49-F238E27FC236}">
+                <a16:creationId xmlns:a16="http://schemas.microsoft.com/office/drawing/2014/main" id="{26F65B2C-6E74-5BD8-4220-172C89880570}"/>
+              </a:ext>
+            </a:extLst>
+          </p:cNvPr>
+          <p:cNvSpPr/>
+          <p:nvPr/>
+        </p:nvSpPr>
+        <p:spPr>
+          <a:xfrm>
+            <a:off x="6489941" y="1882571"/>
+            <a:ext cx="630315" cy="611607"/>
+          </a:xfrm>
+          <a:prstGeom prst="rect">
+            <a:avLst/>
+          </a:prstGeom>
+          <a:noFill/>
+          <a:ln w="38100">
+            <a:solidFill>
+              <a:srgbClr val="FF0000"/>
+            </a:solidFill>
+          </a:ln>
+        </p:spPr>
+        <p:style>
+          <a:lnRef idx="2">
+            <a:schemeClr val="accent1">
+              <a:shade val="15000"/>
+            </a:schemeClr>
+          </a:lnRef>
+          <a:fillRef idx="1">
+            <a:schemeClr val="accent1"/>
+          </a:fillRef>
+          <a:effectRef idx="0">
+            <a:schemeClr val="accent1"/>
+          </a:effectRef>
+          <a:fontRef idx="minor">
+            <a:schemeClr val="lt1"/>
+          </a:fontRef>
+        </p:style>
+        <p:txBody>
+          <a:bodyPr rtlCol="0" anchor="ctr"/>
+          <a:lstStyle/>
+          <a:p>
+            <a:pPr algn="ctr"/>
+            <a:endParaRPr lang="ko-KR" altLang="en-US"/>
+          </a:p>
+        </p:txBody>
+      </p:sp>
+      <p:sp>
+        <p:nvSpPr>
+          <p:cNvPr id="39" name="직사각형 38">
+            <a:extLst>
+              <a:ext uri="{FF2B5EF4-FFF2-40B4-BE49-F238E27FC236}">
+                <a16:creationId xmlns:a16="http://schemas.microsoft.com/office/drawing/2014/main" id="{FCEEE04F-1A02-D56B-7E15-9562676589B2}"/>
+              </a:ext>
+            </a:extLst>
+          </p:cNvPr>
+          <p:cNvSpPr/>
+          <p:nvPr/>
+        </p:nvSpPr>
+        <p:spPr>
+          <a:xfrm>
+            <a:off x="8666084" y="2081217"/>
+            <a:ext cx="630315" cy="611607"/>
+          </a:xfrm>
+          <a:prstGeom prst="rect">
+            <a:avLst/>
+          </a:prstGeom>
+          <a:noFill/>
+          <a:ln w="38100">
+            <a:solidFill>
+              <a:srgbClr val="FF0000"/>
+            </a:solidFill>
+          </a:ln>
+        </p:spPr>
+        <p:style>
+          <a:lnRef idx="2">
+            <a:schemeClr val="accent1">
+              <a:shade val="15000"/>
+            </a:schemeClr>
+          </a:lnRef>
+          <a:fillRef idx="1">
+            <a:schemeClr val="accent1"/>
+          </a:fillRef>
+          <a:effectRef idx="0">
+            <a:schemeClr val="accent1"/>
+          </a:effectRef>
+          <a:fontRef idx="minor">
+            <a:schemeClr val="lt1"/>
+          </a:fontRef>
+        </p:style>
+        <p:txBody>
+          <a:bodyPr rtlCol="0" anchor="ctr"/>
+          <a:lstStyle/>
+          <a:p>
+            <a:pPr algn="ctr"/>
+            <a:endParaRPr lang="ko-KR" altLang="en-US"/>
+          </a:p>
+        </p:txBody>
+      </p:sp>
+      <mc:AlternateContent xmlns:mc="http://schemas.openxmlformats.org/markup-compatibility/2006">
+        <mc:Choice xmlns:p14="http://schemas.microsoft.com/office/powerpoint/2010/main" Requires="p14">
+          <p:contentPart p14:bwMode="auto" r:id="rId14">
+            <p14:nvContentPartPr>
+              <p14:cNvPr id="42" name="잉크 41">
+                <a:extLst>
+                  <a:ext uri="{FF2B5EF4-FFF2-40B4-BE49-F238E27FC236}">
+                    <a16:creationId xmlns:a16="http://schemas.microsoft.com/office/drawing/2014/main" id="{7E939A19-A34D-76BD-9549-ADCB52A51935}"/>
+                  </a:ext>
+                </a:extLst>
+              </p14:cNvPr>
+              <p14:cNvContentPartPr/>
+              <p14:nvPr/>
+            </p14:nvContentPartPr>
+            <p14:xfrm>
+              <a:off x="6773456" y="2494360"/>
+              <a:ext cx="888120" cy="2033280"/>
+            </p14:xfrm>
+          </p:contentPart>
+        </mc:Choice>
+        <mc:Fallback>
+          <p:pic>
+            <p:nvPicPr>
+              <p:cNvPr id="42" name="잉크 41">
+                <a:extLst>
+                  <a:ext uri="{FF2B5EF4-FFF2-40B4-BE49-F238E27FC236}">
+                    <a16:creationId xmlns:a16="http://schemas.microsoft.com/office/drawing/2014/main" id="{7E939A19-A34D-76BD-9549-ADCB52A51935}"/>
+                  </a:ext>
+                </a:extLst>
+              </p:cNvPr>
+              <p:cNvPicPr/>
+              <p:nvPr/>
+            </p:nvPicPr>
+            <p:blipFill>
+              <a:blip r:embed="rId15"/>
+              <a:stretch>
+                <a:fillRect/>
+              </a:stretch>
+            </p:blipFill>
+            <p:spPr>
+              <a:xfrm>
+                <a:off x="6767336" y="2488240"/>
+                <a:ext cx="900360" cy="2045520"/>
+              </a:xfrm>
+              <a:prstGeom prst="rect">
+                <a:avLst/>
+              </a:prstGeom>
+            </p:spPr>
+          </p:pic>
+        </mc:Fallback>
+      </mc:AlternateContent>
+      <mc:AlternateContent xmlns:mc="http://schemas.openxmlformats.org/markup-compatibility/2006">
+        <mc:Choice xmlns:p14="http://schemas.microsoft.com/office/powerpoint/2010/main" Requires="p14">
+          <p:contentPart p14:bwMode="auto" r:id="rId16">
+            <p14:nvContentPartPr>
+              <p14:cNvPr id="44" name="잉크 43">
+                <a:extLst>
+                  <a:ext uri="{FF2B5EF4-FFF2-40B4-BE49-F238E27FC236}">
+                    <a16:creationId xmlns:a16="http://schemas.microsoft.com/office/drawing/2014/main" id="{E4BC7418-16AF-0473-3FC1-6450D655A0A4}"/>
+                  </a:ext>
+                </a:extLst>
+              </p14:cNvPr>
+              <p14:cNvContentPartPr/>
+              <p14:nvPr/>
+            </p14:nvContentPartPr>
+            <p14:xfrm>
+              <a:off x="9063776" y="2725120"/>
+              <a:ext cx="1225440" cy="2077920"/>
+            </p14:xfrm>
+          </p:contentPart>
+        </mc:Choice>
+        <mc:Fallback>
+          <p:pic>
+            <p:nvPicPr>
+              <p:cNvPr id="44" name="잉크 43">
+                <a:extLst>
+                  <a:ext uri="{FF2B5EF4-FFF2-40B4-BE49-F238E27FC236}">
+                    <a16:creationId xmlns:a16="http://schemas.microsoft.com/office/drawing/2014/main" id="{E4BC7418-16AF-0473-3FC1-6450D655A0A4}"/>
+                  </a:ext>
+                </a:extLst>
+              </p:cNvPr>
+              <p:cNvPicPr/>
+              <p:nvPr/>
+            </p:nvPicPr>
+            <p:blipFill>
+              <a:blip r:embed="rId17"/>
+              <a:stretch>
+                <a:fillRect/>
+              </a:stretch>
+            </p:blipFill>
+            <p:spPr>
+              <a:xfrm>
+                <a:off x="9057656" y="2719000"/>
+                <a:ext cx="1237680" cy="2090160"/>
+              </a:xfrm>
+              <a:prstGeom prst="rect">
+                <a:avLst/>
+              </a:prstGeom>
+            </p:spPr>
+          </p:pic>
+        </mc:Fallback>
+      </mc:AlternateContent>
     </p:spTree>
     <p:extLst>
       <p:ext uri="{BB962C8B-B14F-4D97-AF65-F5344CB8AC3E}">
